--- a/database_sw_kills/db_design.pptx
+++ b/database_sw_kills/db_design.pptx
@@ -5487,7 +5487,7 @@
         <p:spPr>
           <a:xfrm>
             <a:off x="0" y="0"/>
-            <a:ext cx="9143280" cy="5142960"/>
+            <a:ext cx="9142920" cy="5142600"/>
           </a:xfrm>
           <a:prstGeom prst="rect">
             <a:avLst/>
@@ -5506,7 +5506,7 @@
         <p:spPr>
           <a:xfrm>
             <a:off x="3879360" y="972000"/>
-            <a:ext cx="256680" cy="256680"/>
+            <a:ext cx="256320" cy="256320"/>
           </a:xfrm>
           <a:prstGeom prst="ellipse">
             <a:avLst/>
@@ -5533,8 +5533,8 @@
         </p:nvSpPr>
         <p:spPr>
           <a:xfrm rot="10800000">
-            <a:off x="4211280" y="2688480"/>
-            <a:ext cx="1969560" cy="360"/>
+            <a:off x="4211640" y="2688120"/>
+            <a:ext cx="1969200" cy="360"/>
           </a:xfrm>
           <a:custGeom>
             <a:avLst/>
@@ -5577,7 +5577,7 @@
         <p:spPr>
           <a:xfrm>
             <a:off x="8941680" y="650520"/>
-            <a:ext cx="201600" cy="4245840"/>
+            <a:ext cx="201240" cy="4245480"/>
           </a:xfrm>
           <a:prstGeom prst="rect">
             <a:avLst/>
@@ -5869,7 +5869,7 @@
         <p:spPr>
           <a:xfrm>
             <a:off x="9605160" y="1373400"/>
-            <a:ext cx="227880" cy="1428120"/>
+            <a:ext cx="227520" cy="1427760"/>
           </a:xfrm>
           <a:prstGeom prst="rect">
             <a:avLst/>
@@ -5892,7 +5892,7 @@
         <p:spPr>
           <a:xfrm>
             <a:off x="0" y="0"/>
-            <a:ext cx="9143280" cy="5142960"/>
+            <a:ext cx="9142920" cy="5142600"/>
           </a:xfrm>
           <a:prstGeom prst="rect">
             <a:avLst/>
@@ -5911,7 +5911,7 @@
         <p:spPr>
           <a:xfrm>
             <a:off x="713880" y="741240"/>
-            <a:ext cx="279000" cy="279000"/>
+            <a:ext cx="278640" cy="278640"/>
           </a:xfrm>
           <a:prstGeom prst="rect">
             <a:avLst/>
@@ -6203,7 +6203,7 @@
         <p:spPr>
           <a:xfrm>
             <a:off x="9605160" y="1373400"/>
-            <a:ext cx="227880" cy="1428120"/>
+            <a:ext cx="227520" cy="1427760"/>
           </a:xfrm>
           <a:prstGeom prst="rect">
             <a:avLst/>
@@ -6226,7 +6226,7 @@
         <p:spPr>
           <a:xfrm>
             <a:off x="0" y="0"/>
-            <a:ext cx="9143280" cy="5142960"/>
+            <a:ext cx="9142920" cy="5142600"/>
           </a:xfrm>
           <a:prstGeom prst="rect">
             <a:avLst/>
@@ -6245,7 +6245,7 @@
         <p:spPr>
           <a:xfrm>
             <a:off x="713880" y="741240"/>
-            <a:ext cx="279000" cy="279000"/>
+            <a:ext cx="278640" cy="278640"/>
           </a:xfrm>
           <a:prstGeom prst="rect">
             <a:avLst/>
@@ -6537,7 +6537,7 @@
         <p:spPr>
           <a:xfrm>
             <a:off x="9605160" y="1373400"/>
-            <a:ext cx="227880" cy="1428120"/>
+            <a:ext cx="227520" cy="1427760"/>
           </a:xfrm>
           <a:prstGeom prst="rect">
             <a:avLst/>
@@ -6560,7 +6560,7 @@
         <p:spPr>
           <a:xfrm>
             <a:off x="0" y="0"/>
-            <a:ext cx="9143280" cy="5142960"/>
+            <a:ext cx="9142920" cy="5142600"/>
           </a:xfrm>
           <a:prstGeom prst="rect">
             <a:avLst/>
@@ -6579,7 +6579,7 @@
         <p:spPr>
           <a:xfrm>
             <a:off x="713880" y="741240"/>
-            <a:ext cx="279000" cy="279000"/>
+            <a:ext cx="278640" cy="278640"/>
           </a:xfrm>
           <a:prstGeom prst="rect">
             <a:avLst/>
@@ -6860,7 +6860,7 @@
         <p:spPr>
           <a:xfrm>
             <a:off x="918720" y="1805040"/>
-            <a:ext cx="7299000" cy="646560"/>
+            <a:ext cx="7298640" cy="646200"/>
           </a:xfrm>
           <a:prstGeom prst="rect">
             <a:avLst/>
@@ -6911,7 +6911,7 @@
         <p:spPr>
           <a:xfrm>
             <a:off x="2041920" y="2872080"/>
-            <a:ext cx="4933800" cy="2072520"/>
+            <a:ext cx="4933440" cy="2072160"/>
           </a:xfrm>
           <a:prstGeom prst="rect">
             <a:avLst/>
@@ -7052,7 +7052,7 @@
         <p:spPr>
           <a:xfrm>
             <a:off x="1131120" y="690480"/>
-            <a:ext cx="7310520" cy="674280"/>
+            <a:ext cx="7310160" cy="673920"/>
           </a:xfrm>
           <a:prstGeom prst="rect">
             <a:avLst/>
@@ -7103,7 +7103,7 @@
         <p:spPr>
           <a:xfrm>
             <a:off x="729000" y="1369800"/>
-            <a:ext cx="7310160" cy="3598560"/>
+            <a:ext cx="8049240" cy="3598200"/>
           </a:xfrm>
           <a:prstGeom prst="rect">
             <a:avLst/>
@@ -7267,7 +7267,7 @@
                 <a:latin typeface="Arial"/>
                 <a:ea typeface="Arial"/>
               </a:rPr>
-              <a:t>: can add this requirement</a:t>
+              <a:t>: can add this requirement to preserve uniqueness</a:t>
             </a:r>
             <a:endParaRPr b="0" lang="en-US" sz="1800" spc="-1" strike="noStrike">
               <a:latin typeface="Arial"/>
@@ -7307,7 +7307,7 @@
                 <a:latin typeface="Arial"/>
                 <a:ea typeface="Arial"/>
               </a:rPr>
-              <a:t>: record’s values in one table must match the values in another table  </a:t>
+              <a:t>: a record’s values in one table must match the values in another table  </a:t>
             </a:r>
             <a:endParaRPr b="0" lang="en-US" sz="1800" spc="-1" strike="noStrike">
               <a:latin typeface="Arial"/>
@@ -7397,7 +7397,7 @@
         <p:spPr>
           <a:xfrm>
             <a:off x="1131120" y="690480"/>
-            <a:ext cx="7310520" cy="674280"/>
+            <a:ext cx="7310160" cy="673920"/>
           </a:xfrm>
           <a:prstGeom prst="rect">
             <a:avLst/>
@@ -7447,8 +7447,8 @@
         </p:nvSpPr>
         <p:spPr>
           <a:xfrm>
-            <a:off x="729000" y="1369800"/>
-            <a:ext cx="7310160" cy="3598560"/>
+            <a:off x="731520" y="1188720"/>
+            <a:ext cx="7309800" cy="3598200"/>
           </a:xfrm>
           <a:prstGeom prst="rect">
             <a:avLst/>
@@ -7474,6 +7474,24 @@
                 <a:spcPct val="114000"/>
               </a:lnSpc>
             </a:pPr>
+            <a:endParaRPr b="0" lang="en-US" sz="1800" spc="-1" strike="noStrike">
+              <a:latin typeface="Arial"/>
+            </a:endParaRPr>
+          </a:p>
+          <a:p>
+            <a:pPr marL="343080" indent="-253080">
+              <a:lnSpc>
+                <a:spcPct val="114000"/>
+              </a:lnSpc>
+              <a:spcBef>
+                <a:spcPts val="901"/>
+              </a:spcBef>
+              <a:buClr>
+                <a:srgbClr val="e27431"/>
+              </a:buClr>
+              <a:buFont typeface="Arial"/>
+              <a:buChar char="●"/>
+            </a:pPr>
             <a:r>
               <a:rPr b="0" lang="en-US" sz="1800" spc="-1" strike="noStrike">
                 <a:solidFill>
@@ -7482,27 +7500,25 @@
                 <a:latin typeface="Arial"/>
                 <a:ea typeface="Arial"/>
               </a:rPr>
-              <a:t>Design is a translation process. Need to first understand user requirements.</a:t>
+              <a:t>Design is a Translation Process</a:t>
             </a:r>
             <a:endParaRPr b="0" lang="en-US" sz="1800" spc="-1" strike="noStrike">
               <a:latin typeface="Arial"/>
             </a:endParaRPr>
           </a:p>
           <a:p>
-            <a:pPr>
+            <a:pPr marL="343080" indent="-253080">
               <a:lnSpc>
                 <a:spcPct val="114000"/>
               </a:lnSpc>
-            </a:pPr>
-            <a:endParaRPr b="0" lang="en-US" sz="1800" spc="-1" strike="noStrike">
-              <a:latin typeface="Arial"/>
-            </a:endParaRPr>
-          </a:p>
-          <a:p>
-            <a:pPr>
-              <a:lnSpc>
-                <a:spcPct val="114000"/>
-              </a:lnSpc>
+              <a:spcBef>
+                <a:spcPts val="901"/>
+              </a:spcBef>
+              <a:buClr>
+                <a:srgbClr val="e27431"/>
+              </a:buClr>
+              <a:buFont typeface="Arial"/>
+              <a:buChar char="●"/>
             </a:pPr>
             <a:r>
               <a:rPr b="0" lang="en-US" sz="1800" spc="-1" strike="noStrike">
@@ -7512,18 +7528,9 @@
                 <a:latin typeface="Arial"/>
                 <a:ea typeface="Arial"/>
               </a:rPr>
-              <a:t>Make a Plan</a:t>
-            </a:r>
-            <a:endParaRPr b="0" lang="en-US" sz="1800" spc="-1" strike="noStrike">
-              <a:latin typeface="Arial"/>
-            </a:endParaRPr>
-          </a:p>
-          <a:p>
-            <a:pPr>
-              <a:lnSpc>
-                <a:spcPct val="114000"/>
-              </a:lnSpc>
-            </a:pPr>
+              <a:t>Bring a List of Questions to understand: </a:t>
+            </a:r>
+            <a:br/>
             <a:r>
               <a:rPr b="0" lang="en-US" sz="1800" spc="-1" strike="noStrike">
                 <a:solidFill>
@@ -7532,17 +7539,25 @@
                 <a:latin typeface="Arial"/>
                 <a:ea typeface="Arial"/>
               </a:rPr>
-              <a:t>Bring a List of Questions</a:t>
+              <a:t>functionality, data needs, data integrity, security, environment</a:t>
             </a:r>
             <a:endParaRPr b="0" lang="en-US" sz="1800" spc="-1" strike="noStrike">
               <a:latin typeface="Arial"/>
             </a:endParaRPr>
           </a:p>
           <a:p>
-            <a:pPr>
+            <a:pPr marL="343080" indent="-253080">
               <a:lnSpc>
                 <a:spcPct val="114000"/>
               </a:lnSpc>
+              <a:spcBef>
+                <a:spcPts val="901"/>
+              </a:spcBef>
+              <a:buClr>
+                <a:srgbClr val="e27431"/>
+              </a:buClr>
+              <a:buFont typeface="Arial"/>
+              <a:buChar char="●"/>
             </a:pPr>
             <a:r>
               <a:rPr b="0" lang="en-US" sz="1800" spc="-1" strike="noStrike">
@@ -7554,16 +7569,17 @@
               </a:rPr>
               <a:t>Meet the People and Learn Who’s Who</a:t>
             </a:r>
-            <a:endParaRPr b="0" lang="en-US" sz="1800" spc="-1" strike="noStrike">
-              <a:latin typeface="Arial"/>
-            </a:endParaRPr>
-          </a:p>
-          <a:p>
-            <a:pPr>
-              <a:lnSpc>
-                <a:spcPct val="114000"/>
-              </a:lnSpc>
-            </a:pPr>
+            <a:br/>
+            <a:r>
+              <a:rPr b="1" i="1" lang="en-US" sz="1800" spc="-1" strike="noStrike">
+                <a:solidFill>
+                  <a:srgbClr val="000000"/>
+                </a:solidFill>
+                <a:latin typeface="Arial"/>
+                <a:ea typeface="Arial"/>
+              </a:rPr>
+              <a:t>Executive Champion</a:t>
+            </a:r>
             <a:r>
               <a:rPr b="0" lang="en-US" sz="1800" spc="-1" strike="noStrike">
                 <a:solidFill>
@@ -7572,17 +7588,25 @@
                 <a:latin typeface="Arial"/>
                 <a:ea typeface="Arial"/>
               </a:rPr>
-              <a:t>Pick the Customers’ Brains</a:t>
+              <a:t> is highest ranking customer driving the project – very important to have one!</a:t>
             </a:r>
             <a:endParaRPr b="0" lang="en-US" sz="1800" spc="-1" strike="noStrike">
               <a:latin typeface="Arial"/>
             </a:endParaRPr>
           </a:p>
           <a:p>
-            <a:pPr>
+            <a:pPr marL="343080" indent="-253080">
               <a:lnSpc>
                 <a:spcPct val="114000"/>
               </a:lnSpc>
+              <a:spcBef>
+                <a:spcPts val="901"/>
+              </a:spcBef>
+              <a:buClr>
+                <a:srgbClr val="e27431"/>
+              </a:buClr>
+              <a:buFont typeface="Arial"/>
+              <a:buChar char="●"/>
             </a:pPr>
             <a:r>
               <a:rPr b="0" lang="en-US" sz="1800" spc="-1" strike="noStrike">
@@ -7592,41 +7616,36 @@
                 <a:latin typeface="Arial"/>
                 <a:ea typeface="Arial"/>
               </a:rPr>
+              <a:t>Pick the Customers’ Brains</a:t>
+            </a:r>
+            <a:endParaRPr b="0" lang="en-US" sz="1800" spc="-1" strike="noStrike">
+              <a:latin typeface="Arial"/>
+            </a:endParaRPr>
+          </a:p>
+          <a:p>
+            <a:pPr marL="343080" indent="-253080">
+              <a:lnSpc>
+                <a:spcPct val="114000"/>
+              </a:lnSpc>
+              <a:spcBef>
+                <a:spcPts val="901"/>
+              </a:spcBef>
+              <a:buClr>
+                <a:srgbClr val="e27431"/>
+              </a:buClr>
+              <a:buFont typeface="Arial"/>
+              <a:buChar char="●"/>
+            </a:pPr>
+            <a:r>
+              <a:rPr b="0" lang="en-US" sz="1800" spc="-1" strike="noStrike">
+                <a:solidFill>
+                  <a:srgbClr val="000000"/>
+                </a:solidFill>
+                <a:latin typeface="Arial"/>
+                <a:ea typeface="Arial"/>
+              </a:rPr>
               <a:t>Get to Understand the Current User’s Experience</a:t>
             </a:r>
-            <a:endParaRPr b="0" lang="en-US" sz="1800" spc="-1" strike="noStrike">
-              <a:latin typeface="Arial"/>
-            </a:endParaRPr>
-          </a:p>
-          <a:p>
-            <a:pPr>
-              <a:lnSpc>
-                <a:spcPct val="114000"/>
-              </a:lnSpc>
-            </a:pPr>
-            <a:endParaRPr b="0" lang="en-US" sz="1800" spc="-1" strike="noStrike">
-              <a:latin typeface="Arial"/>
-            </a:endParaRPr>
-          </a:p>
-          <a:p>
-            <a:pPr>
-              <a:lnSpc>
-                <a:spcPct val="95000"/>
-              </a:lnSpc>
-            </a:pPr>
-            <a:endParaRPr b="0" lang="en-US" sz="1800" spc="-1" strike="noStrike">
-              <a:latin typeface="Arial"/>
-            </a:endParaRPr>
-          </a:p>
-          <a:p>
-            <a:pPr>
-              <a:lnSpc>
-                <a:spcPct val="95000"/>
-              </a:lnSpc>
-              <a:spcBef>
-                <a:spcPts val="601"/>
-              </a:spcBef>
-            </a:pPr>
             <a:endParaRPr b="0" lang="en-US" sz="1800" spc="-1" strike="noStrike">
               <a:latin typeface="Arial"/>
             </a:endParaRPr>
@@ -7672,7 +7691,7 @@
         <p:spPr>
           <a:xfrm>
             <a:off x="1131120" y="690480"/>
-            <a:ext cx="7310520" cy="674280"/>
+            <a:ext cx="7310160" cy="673920"/>
           </a:xfrm>
           <a:prstGeom prst="rect">
             <a:avLst/>
@@ -7723,7 +7742,7 @@
         <p:spPr>
           <a:xfrm>
             <a:off x="729000" y="1369800"/>
-            <a:ext cx="7310160" cy="3598560"/>
+            <a:ext cx="7309800" cy="3598200"/>
           </a:xfrm>
           <a:prstGeom prst="rect">
             <a:avLst/>
@@ -7759,6 +7778,7 @@
               </a:rPr>
               <a:t>Write the Requirements Document: </a:t>
             </a:r>
+            <a:br/>
             <a:r>
               <a:rPr b="0" lang="en-US" sz="1800" spc="-1" strike="noStrike">
                 <a:solidFill>
@@ -7909,7 +7929,7 @@
         <p:spPr>
           <a:xfrm>
             <a:off x="1131120" y="690480"/>
-            <a:ext cx="7310520" cy="674280"/>
+            <a:ext cx="7310160" cy="673920"/>
           </a:xfrm>
           <a:prstGeom prst="rect">
             <a:avLst/>
@@ -7961,7 +7981,7 @@
         <p:spPr>
           <a:xfrm>
             <a:off x="729000" y="1365120"/>
-            <a:ext cx="7310160" cy="3598560"/>
+            <a:ext cx="7309800" cy="3598200"/>
           </a:xfrm>
           <a:prstGeom prst="rect">
             <a:avLst/>
@@ -8012,7 +8032,7 @@
             </a:endParaRPr>
           </a:p>
           <a:p>
-            <a:pPr marL="343080" indent="-253440">
+            <a:pPr marL="343080" indent="-253080">
               <a:lnSpc>
                 <a:spcPct val="114000"/>
               </a:lnSpc>
@@ -8040,7 +8060,7 @@
             </a:endParaRPr>
           </a:p>
           <a:p>
-            <a:pPr marL="343080" indent="-253440">
+            <a:pPr marL="343080" indent="-253080">
               <a:lnSpc>
                 <a:spcPct val="114000"/>
               </a:lnSpc>
@@ -8068,7 +8088,7 @@
             </a:endParaRPr>
           </a:p>
           <a:p>
-            <a:pPr marL="343080" indent="-253440">
+            <a:pPr marL="343080" indent="-253080">
               <a:lnSpc>
                 <a:spcPct val="114000"/>
               </a:lnSpc>
@@ -8096,7 +8116,7 @@
             </a:endParaRPr>
           </a:p>
           <a:p>
-            <a:pPr marL="343080" indent="-253440">
+            <a:pPr marL="343080" indent="-253080">
               <a:lnSpc>
                 <a:spcPct val="114000"/>
               </a:lnSpc>
@@ -8164,7 +8184,7 @@
         <p:spPr>
           <a:xfrm>
             <a:off x="1131120" y="690480"/>
-            <a:ext cx="7310520" cy="674280"/>
+            <a:ext cx="7310160" cy="673920"/>
           </a:xfrm>
           <a:prstGeom prst="rect">
             <a:avLst/>
@@ -8216,7 +8236,7 @@
         <p:spPr>
           <a:xfrm>
             <a:off x="729000" y="1369800"/>
-            <a:ext cx="7310160" cy="3598560"/>
+            <a:ext cx="7309800" cy="3598200"/>
           </a:xfrm>
           <a:prstGeom prst="rect">
             <a:avLst/>
@@ -8453,7 +8473,7 @@
         <p:spPr>
           <a:xfrm>
             <a:off x="1131120" y="690480"/>
-            <a:ext cx="7310520" cy="674280"/>
+            <a:ext cx="7310160" cy="673920"/>
           </a:xfrm>
           <a:prstGeom prst="rect">
             <a:avLst/>
@@ -8504,7 +8524,7 @@
         <p:spPr>
           <a:xfrm>
             <a:off x="729000" y="1369800"/>
-            <a:ext cx="7310160" cy="3598560"/>
+            <a:ext cx="7309800" cy="3598200"/>
           </a:xfrm>
           <a:prstGeom prst="rect">
             <a:avLst/>
@@ -8599,7 +8619,7 @@
                 <a:latin typeface="Arial"/>
                 <a:ea typeface="Arial"/>
               </a:rPr>
-              <a:t>Most dbs are relational</a:t>
+              <a:t>Most dbs are relational. This means they can leverage SQL.</a:t>
             </a:r>
             <a:endParaRPr b="0" lang="en-US" sz="1800" spc="-1" strike="noStrike">
               <a:latin typeface="Arial"/>
@@ -8630,6 +8650,36 @@
                 <a:ea typeface="Arial"/>
               </a:rPr>
               <a:t>Other types include spreadsheets, hierarchical dbs, XML, Graph dbs, Object dbs, and Document dbs.</a:t>
+            </a:r>
+            <a:endParaRPr b="0" lang="en-US" sz="1800" spc="-1" strike="noStrike">
+              <a:latin typeface="Arial"/>
+            </a:endParaRPr>
+          </a:p>
+          <a:p>
+            <a:pPr>
+              <a:lnSpc>
+                <a:spcPct val="114000"/>
+              </a:lnSpc>
+            </a:pPr>
+            <a:endParaRPr b="0" lang="en-US" sz="1800" spc="-1" strike="noStrike">
+              <a:latin typeface="Arial"/>
+            </a:endParaRPr>
+          </a:p>
+          <a:p>
+            <a:pPr>
+              <a:lnSpc>
+                <a:spcPct val="114000"/>
+              </a:lnSpc>
+            </a:pPr>
+            <a:r>
+              <a:rPr b="0" lang="en-US" sz="1800" spc="-1" strike="noStrike">
+                <a:solidFill>
+                  <a:srgbClr val="000000"/>
+                </a:solidFill>
+                <a:latin typeface="Arial"/>
+                <a:ea typeface="Arial"/>
+              </a:rPr>
+              <a:t>The alternative databases can leverage specific data structures (or lack of structure for document db).</a:t>
             </a:r>
             <a:endParaRPr b="0" lang="en-US" sz="1800" spc="-1" strike="noStrike">
               <a:latin typeface="Arial"/>
@@ -8709,7 +8759,7 @@
         <p:spPr>
           <a:xfrm>
             <a:off x="1131120" y="690480"/>
-            <a:ext cx="7310520" cy="674280"/>
+            <a:ext cx="7310160" cy="673920"/>
           </a:xfrm>
           <a:prstGeom prst="rect">
             <a:avLst/>
@@ -8760,7 +8810,7 @@
         <p:spPr>
           <a:xfrm>
             <a:off x="729000" y="1369800"/>
-            <a:ext cx="7310160" cy="3598560"/>
+            <a:ext cx="7309800" cy="3598200"/>
           </a:xfrm>
           <a:prstGeom prst="rect">
             <a:avLst/>
@@ -9004,7 +9054,7 @@
         <p:spPr>
           <a:xfrm>
             <a:off x="1131120" y="690480"/>
-            <a:ext cx="7310520" cy="674280"/>
+            <a:ext cx="7310160" cy="673920"/>
           </a:xfrm>
           <a:prstGeom prst="rect">
             <a:avLst/>
@@ -9055,7 +9105,7 @@
         <p:spPr>
           <a:xfrm>
             <a:off x="729000" y="1369800"/>
-            <a:ext cx="7310160" cy="3598560"/>
+            <a:ext cx="7309800" cy="3598200"/>
           </a:xfrm>
           <a:prstGeom prst="rect">
             <a:avLst/>
@@ -9350,7 +9400,7 @@
         <p:spPr>
           <a:xfrm>
             <a:off x="1131120" y="690480"/>
-            <a:ext cx="7310520" cy="674280"/>
+            <a:ext cx="7310160" cy="673920"/>
           </a:xfrm>
           <a:prstGeom prst="rect">
             <a:avLst/>
@@ -9401,7 +9451,7 @@
         <p:spPr>
           <a:xfrm>
             <a:off x="729000" y="1362960"/>
-            <a:ext cx="7310160" cy="3598560"/>
+            <a:ext cx="7309800" cy="3598200"/>
           </a:xfrm>
           <a:prstGeom prst="rect">
             <a:avLst/>
@@ -9529,7 +9579,7 @@
         <p:spPr>
           <a:xfrm>
             <a:off x="2613600" y="2644200"/>
-            <a:ext cx="3147120" cy="2202120"/>
+            <a:ext cx="3146760" cy="2201760"/>
           </a:xfrm>
           <a:prstGeom prst="rect">
             <a:avLst/>
@@ -9578,7 +9628,7 @@
         <p:spPr>
           <a:xfrm>
             <a:off x="1131120" y="690480"/>
-            <a:ext cx="7310520" cy="674280"/>
+            <a:ext cx="7310160" cy="673920"/>
           </a:xfrm>
           <a:prstGeom prst="rect">
             <a:avLst/>
@@ -9629,7 +9679,7 @@
         <p:spPr>
           <a:xfrm>
             <a:off x="370800" y="1376640"/>
-            <a:ext cx="7310160" cy="3598560"/>
+            <a:ext cx="7309800" cy="3598200"/>
           </a:xfrm>
           <a:prstGeom prst="rect">
             <a:avLst/>
@@ -9813,7 +9863,7 @@
         <p:spPr>
           <a:xfrm>
             <a:off x="5943600" y="2651760"/>
-            <a:ext cx="3200400" cy="2323440"/>
+            <a:ext cx="3200040" cy="2323080"/>
           </a:xfrm>
           <a:prstGeom prst="rect">
             <a:avLst/>
@@ -9862,7 +9912,7 @@
         <p:spPr>
           <a:xfrm>
             <a:off x="1131120" y="690480"/>
-            <a:ext cx="7310520" cy="674280"/>
+            <a:ext cx="7310160" cy="673920"/>
           </a:xfrm>
           <a:prstGeom prst="rect">
             <a:avLst/>
@@ -9913,7 +9963,7 @@
         <p:spPr>
           <a:xfrm>
             <a:off x="729000" y="1369800"/>
-            <a:ext cx="7310160" cy="3598560"/>
+            <a:ext cx="7309800" cy="3598200"/>
           </a:xfrm>
           <a:prstGeom prst="rect">
             <a:avLst/>
